--- a/documents/OpenCV_기초_강좌.pptx
+++ b/documents/OpenCV_기초_강좌.pptx
@@ -226,7 +226,7 @@
           <a:p>
             <a:fld id="{078876B8-64A8-47CF-B414-B22E647C58B4}" type="datetimeFigureOut">
               <a:rPr lang="ko-KR" altLang="en-US" smtClean="0"/>
-              <a:t>2023-01-05</a:t>
+              <a:t>2023-10-07</a:t>
             </a:fld>
             <a:endParaRPr lang="ko-KR" altLang="en-US"/>
           </a:p>
@@ -834,8 +834,8 @@
         </p:nvSpPr>
         <p:spPr>
           <a:xfrm>
-            <a:off x="1143300" y="685800"/>
-            <a:ext cx="4572000" cy="3429000"/>
+            <a:off x="381000" y="685800"/>
+            <a:ext cx="6096000" cy="3429000"/>
           </a:xfrm>
           <a:custGeom>
             <a:avLst/>
@@ -938,8 +938,8 @@
         </p:nvSpPr>
         <p:spPr>
           <a:xfrm>
-            <a:off x="1143300" y="685800"/>
-            <a:ext cx="4572000" cy="3429000"/>
+            <a:off x="381000" y="685800"/>
+            <a:ext cx="6096000" cy="3429000"/>
           </a:xfrm>
           <a:custGeom>
             <a:avLst/>
@@ -2186,8 +2186,8 @@
         </p:nvSpPr>
         <p:spPr>
           <a:xfrm>
-            <a:off x="1143300" y="685800"/>
-            <a:ext cx="4572000" cy="3429000"/>
+            <a:off x="381000" y="685800"/>
+            <a:ext cx="6096000" cy="3429000"/>
           </a:xfrm>
           <a:custGeom>
             <a:avLst/>
@@ -3298,7 +3298,7 @@
           <a:p>
             <a:fld id="{19385A93-34FE-475C-9D69-CFDF799BE9EE}" type="datetimeFigureOut">
               <a:rPr lang="ko-KR" altLang="en-US" smtClean="0"/>
-              <a:t>2023-01-05</a:t>
+              <a:t>2023-10-07</a:t>
             </a:fld>
             <a:endParaRPr lang="ko-KR" altLang="en-US"/>
           </a:p>
@@ -3682,7 +3682,7 @@
           <a:p>
             <a:fld id="{19385A93-34FE-475C-9D69-CFDF799BE9EE}" type="datetimeFigureOut">
               <a:rPr lang="ko-KR" altLang="en-US" smtClean="0"/>
-              <a:t>2023-01-05</a:t>
+              <a:t>2023-10-07</a:t>
             </a:fld>
             <a:endParaRPr lang="ko-KR" altLang="en-US"/>
           </a:p>
@@ -3947,7 +3947,7 @@
           <a:p>
             <a:fld id="{19385A93-34FE-475C-9D69-CFDF799BE9EE}" type="datetimeFigureOut">
               <a:rPr lang="ko-KR" altLang="en-US" smtClean="0"/>
-              <a:t>2023-01-05</a:t>
+              <a:t>2023-10-07</a:t>
             </a:fld>
             <a:endParaRPr lang="ko-KR" altLang="en-US"/>
           </a:p>
@@ -4197,7 +4197,7 @@
           <a:p>
             <a:fld id="{19385A93-34FE-475C-9D69-CFDF799BE9EE}" type="datetimeFigureOut">
               <a:rPr lang="ko-KR" altLang="en-US" smtClean="0"/>
-              <a:t>2023-01-05</a:t>
+              <a:t>2023-10-07</a:t>
             </a:fld>
             <a:endParaRPr lang="ko-KR" altLang="en-US"/>
           </a:p>
@@ -4780,7 +4780,7 @@
           <a:p>
             <a:fld id="{19385A93-34FE-475C-9D69-CFDF799BE9EE}" type="datetimeFigureOut">
               <a:rPr lang="ko-KR" altLang="en-US" smtClean="0"/>
-              <a:t>2023-01-05</a:t>
+              <a:t>2023-10-07</a:t>
             </a:fld>
             <a:endParaRPr lang="ko-KR" altLang="en-US"/>
           </a:p>
@@ -5371,7 +5371,7 @@
           <a:p>
             <a:r>
               <a:rPr lang="en-US" altLang="ko-KR" sz="2000" dirty="0"/>
-              <a:t>2022. 7. 19.</a:t>
+              <a:t>2023. 10. 3.</a:t>
             </a:r>
             <a:endParaRPr lang="ko-KR" altLang="en-US" sz="2000" dirty="0"/>
           </a:p>
@@ -6810,8 +6810,8 @@
         </p:nvSpPr>
         <p:spPr>
           <a:xfrm>
-            <a:off x="1835700" y="593367"/>
-            <a:ext cx="8520600" cy="763500"/>
+            <a:off x="839243" y="593367"/>
+            <a:ext cx="10509337" cy="763500"/>
           </a:xfrm>
           <a:prstGeom prst="rect">
             <a:avLst/>
@@ -6819,15 +6819,15 @@
         </p:spPr>
         <p:txBody>
           <a:bodyPr spcFirstLastPara="1" vert="horz" wrap="square" lIns="91425" tIns="91425" rIns="91425" bIns="91425" rtlCol="0" anchor="t" anchorCtr="0">
-            <a:normAutofit/>
+            <a:normAutofit fontScale="90000"/>
           </a:bodyPr>
           <a:lstStyle/>
           <a:p>
             <a:r>
-              <a:rPr lang="en" b="1"/>
+              <a:rPr lang="en" b="1" dirty="0"/>
               <a:t>두개의 이미지로 여러가지 bit operation 해보기 </a:t>
             </a:r>
-            <a:endParaRPr b="1"/>
+            <a:endParaRPr b="1" dirty="0"/>
           </a:p>
         </p:txBody>
       </p:sp>
@@ -7000,8 +7000,8 @@
         </p:nvSpPr>
         <p:spPr>
           <a:xfrm>
-            <a:off x="1835700" y="593367"/>
-            <a:ext cx="8520600" cy="763500"/>
+            <a:off x="1835699" y="593367"/>
+            <a:ext cx="8832301" cy="763500"/>
           </a:xfrm>
           <a:prstGeom prst="rect">
             <a:avLst/>
@@ -7009,15 +7009,15 @@
         </p:spPr>
         <p:txBody>
           <a:bodyPr spcFirstLastPara="1" vert="horz" wrap="square" lIns="91425" tIns="91425" rIns="91425" bIns="91425" rtlCol="0" anchor="t" anchorCtr="0">
-            <a:normAutofit/>
+            <a:normAutofit fontScale="90000"/>
           </a:bodyPr>
           <a:lstStyle/>
           <a:p>
             <a:r>
-              <a:rPr lang="en" b="1"/>
+              <a:rPr lang="en" b="1" dirty="0"/>
               <a:t>컬러이미지를 그레이 이미지로 바꾸기 </a:t>
             </a:r>
-            <a:endParaRPr b="1"/>
+            <a:endParaRPr b="1" dirty="0"/>
           </a:p>
         </p:txBody>
       </p:sp>
@@ -9365,8 +9365,41 @@
         </p:nvSpPr>
         <p:spPr>
           <a:xfrm>
-            <a:off x="1835700" y="593367"/>
-            <a:ext cx="8520600" cy="763500"/>
+            <a:off x="751562" y="593367"/>
+            <a:ext cx="10434180" cy="763500"/>
+          </a:xfrm>
+          <a:prstGeom prst="rect">
+            <a:avLst/>
+          </a:prstGeom>
+        </p:spPr>
+        <p:txBody>
+          <a:bodyPr spcFirstLastPara="1" vert="horz" wrap="square" lIns="91425" tIns="91425" rIns="91425" bIns="91425" rtlCol="0" anchor="t" anchorCtr="0">
+            <a:normAutofit fontScale="90000"/>
+          </a:bodyPr>
+          <a:lstStyle/>
+          <a:p>
+            <a:r>
+              <a:rPr lang="en" b="1" dirty="0"/>
+              <a:t>소스코드 및 OpenCV 파이썬 튜토리얼 사이트 </a:t>
+            </a:r>
+            <a:endParaRPr b="1" dirty="0"/>
+          </a:p>
+        </p:txBody>
+      </p:sp>
+      <p:sp>
+        <p:nvSpPr>
+          <p:cNvPr id="283" name="Google Shape;283;p42"/>
+          <p:cNvSpPr txBox="1">
+            <a:spLocks noGrp="1"/>
+          </p:cNvSpPr>
+          <p:nvPr>
+            <p:ph type="body" idx="1"/>
+          </p:nvPr>
+        </p:nvSpPr>
+        <p:spPr>
+          <a:xfrm>
+            <a:off x="1835700" y="1536633"/>
+            <a:ext cx="8520600" cy="4555200"/>
           </a:xfrm>
           <a:prstGeom prst="rect">
             <a:avLst/>
@@ -9378,52 +9411,26 @@
           </a:bodyPr>
           <a:lstStyle/>
           <a:p>
-            <a:r>
-              <a:rPr lang="en" b="1"/>
-              <a:t>소스코드 및 OpenCV 파이썬 튜토리얼 사이트 </a:t>
-            </a:r>
-            <a:endParaRPr b="1"/>
-          </a:p>
-        </p:txBody>
-      </p:sp>
-      <p:sp>
-        <p:nvSpPr>
-          <p:cNvPr id="283" name="Google Shape;283;p42"/>
-          <p:cNvSpPr txBox="1">
-            <a:spLocks noGrp="1"/>
-          </p:cNvSpPr>
-          <p:nvPr>
-            <p:ph type="body" idx="1"/>
-          </p:nvPr>
-        </p:nvSpPr>
-        <p:spPr>
-          <a:xfrm>
-            <a:off x="1835700" y="1536633"/>
-            <a:ext cx="8520600" cy="4555200"/>
-          </a:xfrm>
-          <a:prstGeom prst="rect">
-            <a:avLst/>
-          </a:prstGeom>
-        </p:spPr>
-        <p:txBody>
-          <a:bodyPr spcFirstLastPara="1" vert="horz" wrap="square" lIns="91425" tIns="91425" rIns="91425" bIns="91425" rtlCol="0" anchor="t" anchorCtr="0">
-            <a:normAutofit/>
-          </a:bodyPr>
-          <a:lstStyle/>
-          <a:p>
             <a:pPr marL="0" indent="0">
               <a:buNone/>
             </a:pPr>
             <a:r>
-              <a:rPr lang="en" u="sng">
+              <a:rPr lang="en" u="sng" dirty="0">
                 <a:solidFill>
                   <a:schemeClr val="hlink"/>
                 </a:solidFill>
-                <a:hlinkClick r:id="rId3"/>
               </a:rPr>
-              <a:t>https://github.com/JD-edu/aiot-pi</a:t>
-            </a:r>
-            <a:endParaRPr/>
+              <a:t>https://github.com/JD-edu/</a:t>
+            </a:r>
+            <a:r>
+              <a:rPr lang="en-US" u="sng" dirty="0" err="1">
+                <a:solidFill>
+                  <a:schemeClr val="hlink"/>
+                </a:solidFill>
+              </a:rPr>
+              <a:t>deep_learning_class</a:t>
+            </a:r>
+            <a:endParaRPr dirty="0"/>
           </a:p>
           <a:p>
             <a:pPr marL="0" indent="0">
@@ -9433,10 +9440,10 @@
               <a:buNone/>
             </a:pPr>
             <a:r>
-              <a:rPr lang="en"/>
+              <a:rPr lang="en" dirty="0"/>
               <a:t>위 사이트에서 OpenCV강좌코드.zip 다운로드 </a:t>
             </a:r>
-            <a:endParaRPr/>
+            <a:endParaRPr dirty="0"/>
           </a:p>
           <a:p>
             <a:pPr marL="0" indent="0">
@@ -9445,7 +9452,7 @@
               </a:spcBef>
               <a:buNone/>
             </a:pPr>
-            <a:endParaRPr/>
+            <a:endParaRPr dirty="0"/>
           </a:p>
           <a:p>
             <a:pPr marL="0" indent="0">
@@ -9455,10 +9462,10 @@
               <a:buNone/>
             </a:pPr>
             <a:r>
-              <a:rPr lang="en"/>
+              <a:rPr lang="en" dirty="0"/>
               <a:t>OpenCV 파이썬 튜토리얼 사이트 </a:t>
             </a:r>
-            <a:endParaRPr/>
+            <a:endParaRPr dirty="0"/>
           </a:p>
           <a:p>
             <a:pPr marL="0" indent="0">
@@ -9468,15 +9475,15 @@
               <a:buNone/>
             </a:pPr>
             <a:r>
-              <a:rPr lang="en" u="sng">
+              <a:rPr lang="en" u="sng" dirty="0">
                 <a:solidFill>
                   <a:schemeClr val="hlink"/>
                 </a:solidFill>
-                <a:hlinkClick r:id="rId4"/>
+                <a:hlinkClick r:id="rId3"/>
               </a:rPr>
               <a:t>https://opencv-python.readthedocs.io/en/latest/</a:t>
             </a:r>
-            <a:endParaRPr/>
+            <a:endParaRPr dirty="0"/>
           </a:p>
           <a:p>
             <a:pPr marL="0" indent="0">
@@ -9488,7 +9495,7 @@
               </a:spcAft>
               <a:buNone/>
             </a:pPr>
-            <a:endParaRPr/>
+            <a:endParaRPr dirty="0"/>
           </a:p>
         </p:txBody>
       </p:sp>
